--- a/EDA Analysis on Netflix Movies and Shows.pptx
+++ b/EDA Analysis on Netflix Movies and Shows.pptx
@@ -6960,7 +6960,7 @@
         <p:spPr/>
         <p:txBody>
           <a:bodyPr>
-            <a:normAutofit lnSpcReduction="10000"/>
+            <a:normAutofit/>
           </a:bodyPr>
           <a:lstStyle/>
           <a:p>
@@ -6980,13 +6980,13 @@
           <a:p>
             <a:r>
               <a:rPr lang="en-US" dirty="0"/>
-              <a:t>Top Directors Top Directors: Come up with directors who have produced the most shows/movies.</a:t>
+              <a:t>Top Directors : Come up with directors who have produced the most shows/movies.</a:t>
             </a:r>
           </a:p>
           <a:p>
             <a:r>
               <a:rPr lang="en-US" dirty="0"/>
-              <a:t>- Country Contributions: Country contributions: Countries that have quality productions that are very appealing.</a:t>
+              <a:t>- Country Contributions: Countries that have quality productions that are very appealing.</a:t>
             </a:r>
           </a:p>
           <a:p>
